--- a/PROJECT  TOUR.pptx
+++ b/PROJECT  TOUR.pptx
@@ -16,7 +16,7 @@
     <p:sldId id="262" r:id="rId7"/>
     <p:sldId id="266" r:id="rId8"/>
     <p:sldId id="264" r:id="rId9"/>
-    <p:sldId id="268" r:id="rId10"/>
+    <p:sldId id="271" r:id="rId10"/>
     <p:sldId id="267" r:id="rId11"/>
     <p:sldId id="270" r:id="rId12"/>
   </p:sldIdLst>
@@ -202,7 +202,7 @@
           <a:p>
             <a:fld id="{C8AFFBC0-C9E0-454A-8B0C-0FE12FDE182F}" type="datetimeFigureOut">
               <a:rPr lang="en-GB" smtClean="0"/>
-              <a:t>29/05/2024</a:t>
+              <a:t>30/05/2024</a:t>
             </a:fld>
             <a:endParaRPr lang="en-GB"/>
           </a:p>
@@ -1022,7 +1022,7 @@
           <a:p>
             <a:fld id="{CF2597D2-BB59-4510-B115-6012E6DC9DD0}" type="datetimeFigureOut">
               <a:rPr lang="en-GB" smtClean="0"/>
-              <a:t>29/05/2024</a:t>
+              <a:t>30/05/2024</a:t>
             </a:fld>
             <a:endParaRPr lang="en-GB"/>
           </a:p>
@@ -1187,7 +1187,7 @@
           <a:p>
             <a:fld id="{CF2597D2-BB59-4510-B115-6012E6DC9DD0}" type="datetimeFigureOut">
               <a:rPr lang="en-GB" smtClean="0"/>
-              <a:t>29/05/2024</a:t>
+              <a:t>30/05/2024</a:t>
             </a:fld>
             <a:endParaRPr lang="en-GB"/>
           </a:p>
@@ -1362,7 +1362,7 @@
           <a:p>
             <a:fld id="{CF2597D2-BB59-4510-B115-6012E6DC9DD0}" type="datetimeFigureOut">
               <a:rPr lang="en-GB" smtClean="0"/>
-              <a:t>29/05/2024</a:t>
+              <a:t>30/05/2024</a:t>
             </a:fld>
             <a:endParaRPr lang="en-GB"/>
           </a:p>
@@ -1527,7 +1527,7 @@
           <a:p>
             <a:fld id="{CF2597D2-BB59-4510-B115-6012E6DC9DD0}" type="datetimeFigureOut">
               <a:rPr lang="en-GB" smtClean="0"/>
-              <a:t>29/05/2024</a:t>
+              <a:t>30/05/2024</a:t>
             </a:fld>
             <a:endParaRPr lang="en-GB"/>
           </a:p>
@@ -2080,7 +2080,7 @@
           <a:p>
             <a:fld id="{CF2597D2-BB59-4510-B115-6012E6DC9DD0}" type="datetimeFigureOut">
               <a:rPr lang="en-GB" smtClean="0"/>
-              <a:t>29/05/2024</a:t>
+              <a:t>30/05/2024</a:t>
             </a:fld>
             <a:endParaRPr lang="en-GB"/>
           </a:p>
@@ -2340,7 +2340,7 @@
           <a:p>
             <a:fld id="{CF2597D2-BB59-4510-B115-6012E6DC9DD0}" type="datetimeFigureOut">
               <a:rPr lang="en-GB" smtClean="0"/>
-              <a:t>29/05/2024</a:t>
+              <a:t>30/05/2024</a:t>
             </a:fld>
             <a:endParaRPr lang="en-GB"/>
           </a:p>
@@ -2828,7 +2828,7 @@
           <a:p>
             <a:fld id="{CF2597D2-BB59-4510-B115-6012E6DC9DD0}" type="datetimeFigureOut">
               <a:rPr lang="en-GB" smtClean="0"/>
-              <a:t>29/05/2024</a:t>
+              <a:t>30/05/2024</a:t>
             </a:fld>
             <a:endParaRPr lang="en-GB"/>
           </a:p>
@@ -2941,7 +2941,7 @@
           <a:p>
             <a:fld id="{CF2597D2-BB59-4510-B115-6012E6DC9DD0}" type="datetimeFigureOut">
               <a:rPr lang="en-GB" smtClean="0"/>
-              <a:t>29/05/2024</a:t>
+              <a:t>30/05/2024</a:t>
             </a:fld>
             <a:endParaRPr lang="en-GB"/>
           </a:p>
@@ -3031,7 +3031,7 @@
           <a:p>
             <a:fld id="{CF2597D2-BB59-4510-B115-6012E6DC9DD0}" type="datetimeFigureOut">
               <a:rPr lang="en-GB" smtClean="0"/>
-              <a:t>29/05/2024</a:t>
+              <a:t>30/05/2024</a:t>
             </a:fld>
             <a:endParaRPr lang="en-GB"/>
           </a:p>
@@ -3461,7 +3461,7 @@
           <a:p>
             <a:fld id="{CF2597D2-BB59-4510-B115-6012E6DC9DD0}" type="datetimeFigureOut">
               <a:rPr lang="en-GB" smtClean="0"/>
-              <a:t>29/05/2024</a:t>
+              <a:t>30/05/2024</a:t>
             </a:fld>
             <a:endParaRPr lang="en-GB"/>
           </a:p>
@@ -3994,7 +3994,7 @@
           <a:p>
             <a:fld id="{CF2597D2-BB59-4510-B115-6012E6DC9DD0}" type="datetimeFigureOut">
               <a:rPr lang="en-GB" smtClean="0"/>
-              <a:t>29/05/2024</a:t>
+              <a:t>30/05/2024</a:t>
             </a:fld>
             <a:endParaRPr lang="en-GB"/>
           </a:p>
@@ -4834,7 +4834,7 @@
           <a:p>
             <a:fld id="{CF2597D2-BB59-4510-B115-6012E6DC9DD0}" type="datetimeFigureOut">
               <a:rPr lang="en-GB" smtClean="0"/>
-              <a:t>29/05/2024</a:t>
+              <a:t>30/05/2024</a:t>
             </a:fld>
             <a:endParaRPr lang="en-GB"/>
           </a:p>
@@ -5233,42 +5233,6 @@
       </p:grpSpPr>
       <p:sp>
         <p:nvSpPr>
-          <p:cNvPr id="2" name="Title 1"/>
-          <p:cNvSpPr>
-            <a:spLocks noGrp="1"/>
-          </p:cNvSpPr>
-          <p:nvPr>
-            <p:ph type="ctrTitle"/>
-          </p:nvPr>
-        </p:nvSpPr>
-        <p:spPr>
-          <a:xfrm rot="19140000">
-            <a:off x="499166" y="1312368"/>
-            <a:ext cx="6290957" cy="1606494"/>
-          </a:xfrm>
-        </p:spPr>
-        <p:txBody>
-          <a:bodyPr/>
-          <a:lstStyle/>
-          <a:p>
-            <a:pPr algn="ctr"/>
-            <a:r>
-              <a:rPr lang="en-GB" dirty="0" smtClean="0"/>
-              <a:t>  Tourist </a:t>
-            </a:r>
-            <a:r>
-              <a:rPr lang="en-GB" dirty="0"/>
-              <a:t>Information System</a:t>
-            </a:r>
-            <a:br>
-              <a:rPr lang="en-GB" dirty="0"/>
-            </a:br>
-            <a:endParaRPr lang="en-GB" dirty="0"/>
-          </a:p>
-        </p:txBody>
-      </p:sp>
-      <p:sp>
-        <p:nvSpPr>
           <p:cNvPr id="3" name="Subtitle 2"/>
           <p:cNvSpPr>
             <a:spLocks noGrp="1"/>
@@ -5279,72 +5243,112 @@
         </p:nvSpPr>
         <p:spPr>
           <a:xfrm>
-            <a:off x="3059832" y="4797152"/>
+            <a:off x="3271596" y="4869160"/>
             <a:ext cx="5904656" cy="936104"/>
           </a:xfrm>
         </p:spPr>
         <p:txBody>
           <a:bodyPr>
-            <a:normAutofit fontScale="85000" lnSpcReduction="10000"/>
+            <a:normAutofit/>
           </a:bodyPr>
           <a:lstStyle/>
           <a:p>
-            <a:r>
-              <a:rPr lang="en-GB" b="1" dirty="0" smtClean="0"/>
-              <a:t>                        </a:t>
-            </a:r>
+            <a:pPr algn="ctr"/>
+            <a:r>
+              <a:rPr lang="en-GB" sz="1200" b="1" dirty="0" smtClean="0">
+                <a:latin typeface="Times New Roman" pitchFamily="18" charset="0"/>
+                <a:cs typeface="Times New Roman" pitchFamily="18" charset="0"/>
+              </a:rPr>
+              <a:t>BY</a:t>
+            </a:r>
+            <a:r>
+              <a:rPr lang="en-GB" sz="1900" b="1" dirty="0">
+                <a:latin typeface="Times New Roman" pitchFamily="18" charset="0"/>
+                <a:cs typeface="Times New Roman" pitchFamily="18" charset="0"/>
+              </a:rPr>
+              <a:t>:</a:t>
+            </a:r>
+            <a:endParaRPr lang="en-GB" sz="1900" b="1" dirty="0" smtClean="0">
+              <a:latin typeface="Times New Roman" pitchFamily="18" charset="0"/>
+              <a:cs typeface="Times New Roman" pitchFamily="18" charset="0"/>
+            </a:endParaRPr>
+          </a:p>
+          <a:p>
+            <a:pPr algn="ctr"/>
             <a:r>
               <a:rPr lang="en-GB" sz="1900" b="1" dirty="0" smtClean="0">
-                <a:latin typeface="Arial Black" pitchFamily="34" charset="0"/>
-              </a:rPr>
-              <a:t>BY </a:t>
-            </a:r>
+                <a:latin typeface="Times New Roman" pitchFamily="18" charset="0"/>
+                <a:cs typeface="Times New Roman" pitchFamily="18" charset="0"/>
+              </a:rPr>
+              <a:t>     </a:t>
+            </a:r>
+            <a:r>
+              <a:rPr lang="en-GB" sz="1200" b="1" dirty="0" smtClean="0">
+                <a:latin typeface="Times New Roman" pitchFamily="18" charset="0"/>
+                <a:cs typeface="Times New Roman" pitchFamily="18" charset="0"/>
+              </a:rPr>
+              <a:t>G.REVATHI M.com.,B.ED.,HDCA.,       </a:t>
+            </a:r>
+            <a:r>
+              <a:rPr lang="en-GB" sz="1200" b="1" dirty="0" smtClean="0">
+                <a:latin typeface="Times New Roman" pitchFamily="18" charset="0"/>
+                <a:ea typeface="Calibri Light" pitchFamily="34" charset="0"/>
+                <a:cs typeface="Times New Roman" pitchFamily="18" charset="0"/>
+              </a:rPr>
+              <a:t>PGDca</a:t>
+            </a:r>
+            <a:r>
+              <a:rPr lang="en-GB" sz="1200" b="1" dirty="0" smtClean="0">
+                <a:latin typeface="Times New Roman" pitchFamily="18" charset="0"/>
+                <a:cs typeface="Times New Roman" pitchFamily="18" charset="0"/>
+              </a:rPr>
+              <a:t>., Data Analyst</a:t>
+            </a:r>
+            <a:endParaRPr lang="en-GB" sz="1200" b="1" dirty="0">
+              <a:latin typeface="Times New Roman" pitchFamily="18" charset="0"/>
+              <a:cs typeface="Times New Roman" pitchFamily="18" charset="0"/>
+            </a:endParaRPr>
           </a:p>
           <a:p>
             <a:pPr algn="ctr"/>
-            <a:r>
-              <a:rPr lang="en-GB" sz="1900" b="1" dirty="0" smtClean="0">
-                <a:latin typeface="Arial Black" pitchFamily="34" charset="0"/>
-              </a:rPr>
-              <a:t>     G.REVATHI </a:t>
-            </a:r>
-            <a:r>
-              <a:rPr lang="en-GB" sz="1900" b="1" dirty="0" smtClean="0">
-                <a:latin typeface="Arial Black" pitchFamily="34" charset="0"/>
-                <a:cs typeface="Adobe Arabic" pitchFamily="18" charset="-78"/>
-              </a:rPr>
-              <a:t>M.com</a:t>
-            </a:r>
-            <a:r>
-              <a:rPr lang="en-GB" sz="1900" b="1" dirty="0" smtClean="0">
-                <a:latin typeface="Arial Black" pitchFamily="34" charset="0"/>
-              </a:rPr>
-              <a:t>.,B.ED</a:t>
-            </a:r>
-            <a:r>
-              <a:rPr lang="en-GB" sz="1500" b="1" dirty="0" smtClean="0">
-                <a:latin typeface="Arial Black" pitchFamily="34" charset="0"/>
-              </a:rPr>
-              <a:t>.,</a:t>
-            </a:r>
-            <a:r>
-              <a:rPr lang="en-GB" sz="1900" b="1" dirty="0" smtClean="0">
-                <a:latin typeface="Arial Black" pitchFamily="34" charset="0"/>
-              </a:rPr>
-              <a:t>HDCA.,       PGDca., </a:t>
-            </a:r>
-            <a:r>
-              <a:rPr lang="en-GB" sz="1900" b="1" dirty="0" smtClean="0">
-                <a:latin typeface="Arial Black" pitchFamily="34" charset="0"/>
-              </a:rPr>
-              <a:t>Data Analyst</a:t>
-            </a:r>
-            <a:endParaRPr lang="en-GB" sz="1900" b="1" dirty="0">
-              <a:latin typeface="Arial Black" pitchFamily="34" charset="0"/>
+            <a:endParaRPr lang="en-GB" b="1" dirty="0">
+              <a:latin typeface="Times New Roman" pitchFamily="18" charset="0"/>
+              <a:cs typeface="Times New Roman" pitchFamily="18" charset="0"/>
             </a:endParaRPr>
           </a:p>
-          <a:p>
-            <a:endParaRPr lang="en-GB" b="1" dirty="0"/>
+        </p:txBody>
+      </p:sp>
+      <p:sp>
+        <p:nvSpPr>
+          <p:cNvPr id="5" name="Title 4"/>
+          <p:cNvSpPr>
+            <a:spLocks noGrp="1"/>
+          </p:cNvSpPr>
+          <p:nvPr>
+            <p:ph type="ctrTitle"/>
+          </p:nvPr>
+        </p:nvSpPr>
+        <p:spPr>
+          <a:xfrm>
+            <a:off x="1475656" y="1575956"/>
+            <a:ext cx="5904656" cy="772923"/>
+          </a:xfrm>
+        </p:spPr>
+        <p:txBody>
+          <a:bodyPr/>
+          <a:lstStyle/>
+          <a:p>
+            <a:r>
+              <a:rPr lang="en-GB" sz="2800" dirty="0" smtClean="0">
+                <a:latin typeface="Times New Roman" pitchFamily="18" charset="0"/>
+                <a:cs typeface="Times New Roman" pitchFamily="18" charset="0"/>
+              </a:rPr>
+              <a:t>TOURIST INFORMATION SYSTEM</a:t>
+            </a:r>
+            <a:endParaRPr lang="en-GB" sz="2800" dirty="0">
+              <a:latin typeface="Times New Roman" pitchFamily="18" charset="0"/>
+              <a:cs typeface="Times New Roman" pitchFamily="18" charset="0"/>
+            </a:endParaRPr>
           </a:p>
         </p:txBody>
       </p:sp>
@@ -5390,8 +5394,8 @@
         </p:nvSpPr>
         <p:spPr>
           <a:xfrm>
-            <a:off x="827584" y="116632"/>
-            <a:ext cx="7516316" cy="797768"/>
+            <a:off x="251520" y="116632"/>
+            <a:ext cx="8092380" cy="797768"/>
           </a:xfrm>
         </p:spPr>
         <p:txBody>
@@ -5406,17 +5410,29 @@
               <a:rPr lang="en-GB" dirty="0" smtClean="0"/>
             </a:br>
             <a:r>
-              <a:rPr lang="en-GB" dirty="0" smtClean="0"/>
+              <a:rPr lang="en-GB" sz="2000" b="1" dirty="0" smtClean="0">
+                <a:latin typeface="Times New Roman" pitchFamily="18" charset="0"/>
+                <a:cs typeface="Times New Roman" pitchFamily="18" charset="0"/>
+              </a:rPr>
               <a:t>Conclusion</a:t>
             </a:r>
             <a:r>
-              <a:rPr lang="en-GB" dirty="0"/>
+              <a:rPr lang="en-GB" sz="2000" b="1" dirty="0">
+                <a:latin typeface="Times New Roman" pitchFamily="18" charset="0"/>
+                <a:cs typeface="Times New Roman" pitchFamily="18" charset="0"/>
+              </a:rPr>
               <a:t/>
             </a:r>
             <a:br>
-              <a:rPr lang="en-GB" dirty="0"/>
+              <a:rPr lang="en-GB" sz="2000" b="1" dirty="0">
+                <a:latin typeface="Times New Roman" pitchFamily="18" charset="0"/>
+                <a:cs typeface="Times New Roman" pitchFamily="18" charset="0"/>
+              </a:rPr>
             </a:br>
-            <a:endParaRPr lang="en-GB" dirty="0"/>
+            <a:endParaRPr lang="en-GB" sz="2000" b="1" dirty="0">
+              <a:latin typeface="Times New Roman" pitchFamily="18" charset="0"/>
+              <a:cs typeface="Times New Roman" pitchFamily="18" charset="0"/>
+            </a:endParaRPr>
           </a:p>
         </p:txBody>
       </p:sp>
@@ -5430,53 +5446,91 @@
             <p:ph idx="1"/>
           </p:nvPr>
         </p:nvSpPr>
-        <p:spPr/>
+        <p:spPr>
+          <a:xfrm>
+            <a:off x="179512" y="1100628"/>
+            <a:ext cx="8784976" cy="3579849"/>
+          </a:xfrm>
+        </p:spPr>
         <p:txBody>
           <a:bodyPr>
-            <a:normAutofit fontScale="92500" lnSpcReduction="20000"/>
+            <a:normAutofit/>
           </a:bodyPr>
           <a:lstStyle/>
           <a:p>
-            <a:pPr>
+            <a:pPr algn="just">
               <a:lnSpc>
-                <a:spcPct val="300000"/>
+                <a:spcPct val="200000"/>
               </a:lnSpc>
               <a:buFont typeface="Arial" pitchFamily="34" charset="0"/>
               <a:buChar char="•"/>
             </a:pPr>
             <a:r>
-              <a:rPr lang="en-GB" dirty="0" smtClean="0"/>
+              <a:rPr lang="en-GB" sz="1800" b="0" dirty="0" smtClean="0">
+                <a:latin typeface="Times New Roman" pitchFamily="18" charset="0"/>
+                <a:cs typeface="Times New Roman" pitchFamily="18" charset="0"/>
+              </a:rPr>
+              <a:t> The </a:t>
+            </a:r>
+            <a:r>
+              <a:rPr lang="en-GB" sz="1800" b="0" dirty="0">
+                <a:latin typeface="Times New Roman" pitchFamily="18" charset="0"/>
+                <a:cs typeface="Times New Roman" pitchFamily="18" charset="0"/>
+              </a:rPr>
+              <a:t>Tourist </a:t>
+            </a:r>
+            <a:r>
+              <a:rPr lang="en-GB" sz="1800" b="0" dirty="0" smtClean="0">
+                <a:latin typeface="Times New Roman" pitchFamily="18" charset="0"/>
+                <a:cs typeface="Times New Roman" pitchFamily="18" charset="0"/>
+              </a:rPr>
+              <a:t>Information </a:t>
+            </a:r>
+            <a:r>
+              <a:rPr lang="en-GB" sz="1800" b="0" dirty="0">
+                <a:latin typeface="Times New Roman" pitchFamily="18" charset="0"/>
+                <a:cs typeface="Times New Roman" pitchFamily="18" charset="0"/>
+              </a:rPr>
+              <a:t>System provides a valuable tool for tourists planning </a:t>
+            </a:r>
+            <a:r>
+              <a:rPr lang="en-GB" sz="1800" b="0" dirty="0" smtClean="0">
+                <a:latin typeface="Times New Roman" pitchFamily="18" charset="0"/>
+                <a:cs typeface="Times New Roman" pitchFamily="18" charset="0"/>
+              </a:rPr>
               <a:t> </a:t>
             </a:r>
             <a:r>
-              <a:rPr lang="en-GB" sz="1700" dirty="0" smtClean="0">
-                <a:latin typeface="Times New Roman" pitchFamily="18" charset="0"/>
-                <a:cs typeface="Times New Roman" pitchFamily="18" charset="0"/>
-              </a:rPr>
-              <a:t>The </a:t>
-            </a:r>
-            <a:r>
-              <a:rPr lang="en-GB" sz="1700" dirty="0">
-                <a:latin typeface="Times New Roman" pitchFamily="18" charset="0"/>
-                <a:cs typeface="Times New Roman" pitchFamily="18" charset="0"/>
-              </a:rPr>
-              <a:t>Tourist </a:t>
-            </a:r>
-            <a:r>
-              <a:rPr lang="en-GB" sz="1700" dirty="0" smtClean="0">
-                <a:latin typeface="Times New Roman" pitchFamily="18" charset="0"/>
-                <a:cs typeface="Times New Roman" pitchFamily="18" charset="0"/>
-              </a:rPr>
-              <a:t>Information </a:t>
-            </a:r>
-            <a:r>
-              <a:rPr lang="en-GB" sz="1700" dirty="0">
-                <a:latin typeface="Times New Roman" pitchFamily="18" charset="0"/>
-                <a:cs typeface="Times New Roman" pitchFamily="18" charset="0"/>
-              </a:rPr>
-              <a:t>System provides a valuable tool for tourists planning their trips to various destinations in India. By consolidating and presenting essential information in a user-friendly manner, the system enhances the travel planning process, helping users make informed decisions. The project successfully addresses the need </a:t>
-            </a:r>
-            <a:endParaRPr lang="en-GB" sz="1700" dirty="0">
+              <a:rPr lang="en-GB" sz="1800" b="0" dirty="0">
+                <a:latin typeface="Times New Roman" pitchFamily="18" charset="0"/>
+                <a:cs typeface="Times New Roman" pitchFamily="18" charset="0"/>
+              </a:rPr>
+              <a:t>their trips to various destinations in India. By consolidating and presenting essential information in a user-friendly manner, the system enhances the travel planning process, helping </a:t>
+            </a:r>
+            <a:r>
+              <a:rPr lang="en-GB" sz="1800" b="0" dirty="0" smtClean="0">
+                <a:latin typeface="Times New Roman" pitchFamily="18" charset="0"/>
+                <a:cs typeface="Times New Roman" pitchFamily="18" charset="0"/>
+              </a:rPr>
+              <a:t>users make </a:t>
+            </a:r>
+            <a:r>
+              <a:rPr lang="en-GB" sz="1800" b="0" dirty="0">
+                <a:latin typeface="Times New Roman" pitchFamily="18" charset="0"/>
+                <a:cs typeface="Times New Roman" pitchFamily="18" charset="0"/>
+              </a:rPr>
+              <a:t>informed decisions. The project successfully addresses the need </a:t>
+            </a:r>
+          </a:p>
+          <a:p>
+            <a:pPr algn="just">
+              <a:lnSpc>
+                <a:spcPct val="200000"/>
+              </a:lnSpc>
+              <a:buFont typeface="Arial" pitchFamily="34" charset="0"/>
+              <a:buChar char="•"/>
+            </a:pPr>
+            <a:endParaRPr lang="en-GB" sz="1800" b="0" dirty="0">
               <a:latin typeface="Times New Roman" pitchFamily="18" charset="0"/>
               <a:cs typeface="Times New Roman" pitchFamily="18" charset="0"/>
             </a:endParaRPr>
@@ -5577,8 +5631,8 @@
         </p:nvSpPr>
         <p:spPr>
           <a:xfrm>
-            <a:off x="386205" y="172616"/>
-            <a:ext cx="7520940" cy="548640"/>
+            <a:off x="107504" y="172616"/>
+            <a:ext cx="7799641" cy="548640"/>
           </a:xfrm>
         </p:spPr>
         <p:txBody>
@@ -5600,19 +5654,35 @@
               <a:rPr lang="en-GB" sz="2000" dirty="0" smtClean="0">
                 <a:latin typeface="Arial Black" pitchFamily="34" charset="0"/>
               </a:rPr>
-              <a:t> Aim </a:t>
-            </a:r>
-            <a:r>
-              <a:rPr lang="en-GB" sz="2000" dirty="0">
-                <a:latin typeface="Arial Black" pitchFamily="34" charset="0"/>
+              <a:t> </a:t>
+            </a:r>
+            <a:r>
+              <a:rPr lang="en-GB" sz="2000" b="1" dirty="0" smtClean="0">
+                <a:latin typeface="Times New Roman" pitchFamily="18" charset="0"/>
+                <a:cs typeface="Times New Roman" pitchFamily="18" charset="0"/>
+              </a:rPr>
+              <a:t>Aim </a:t>
+            </a:r>
+            <a:r>
+              <a:rPr lang="en-GB" sz="2000" b="1" dirty="0">
+                <a:latin typeface="Times New Roman" pitchFamily="18" charset="0"/>
+                <a:cs typeface="Times New Roman" pitchFamily="18" charset="0"/>
               </a:rPr>
               <a:t>of the </a:t>
             </a:r>
             <a:r>
-              <a:rPr lang="en-GB" sz="2000" dirty="0" smtClean="0">
-                <a:latin typeface="Arial Black" pitchFamily="34" charset="0"/>
+              <a:rPr lang="en-GB" sz="2000" b="1" dirty="0" smtClean="0">
+                <a:latin typeface="Times New Roman" pitchFamily="18" charset="0"/>
+                <a:cs typeface="Times New Roman" pitchFamily="18" charset="0"/>
               </a:rPr>
               <a:t>Project </a:t>
+            </a:r>
+            <a:r>
+              <a:rPr lang="en-GB" sz="2000" b="1" dirty="0" smtClean="0">
+                <a:latin typeface="Times New Roman" pitchFamily="18" charset="0"/>
+                <a:cs typeface="Times New Roman" pitchFamily="18" charset="0"/>
+              </a:rPr>
+              <a:t>:</a:t>
             </a:r>
             <a:r>
               <a:rPr lang="en-GB" sz="2000" dirty="0">
@@ -5643,8 +5713,8 @@
         </p:nvSpPr>
         <p:spPr>
           <a:xfrm>
-            <a:off x="386205" y="907484"/>
-            <a:ext cx="7997512" cy="3984556"/>
+            <a:off x="251520" y="836712"/>
+            <a:ext cx="8784976" cy="4055328"/>
           </a:xfrm>
         </p:spPr>
         <p:txBody>
@@ -5653,7 +5723,7 @@
           </a:bodyPr>
           <a:lstStyle/>
           <a:p>
-            <a:pPr marL="285750" indent="-285750">
+            <a:pPr marL="285750" indent="-285750" algn="just">
               <a:lnSpc>
                 <a:spcPct val="150000"/>
               </a:lnSpc>
@@ -5661,72 +5731,71 @@
               <a:buChar char="•"/>
             </a:pPr>
             <a:r>
+              <a:rPr lang="en-GB" sz="1800" dirty="0">
+                <a:latin typeface="Times New Roman" pitchFamily="18" charset="0"/>
+                <a:ea typeface="Calibri Light" pitchFamily="34" charset="0"/>
+                <a:cs typeface="Times New Roman" pitchFamily="18" charset="0"/>
+              </a:rPr>
+              <a:t>Complete </a:t>
+            </a:r>
+            <a:r>
               <a:rPr lang="en-GB" sz="1800" dirty="0" smtClean="0">
                 <a:latin typeface="Times New Roman" pitchFamily="18" charset="0"/>
-                <a:cs typeface="Times New Roman" pitchFamily="18" charset="0"/>
-              </a:rPr>
-              <a:t>Comprehensive </a:t>
+                <a:ea typeface="Calibri Light" pitchFamily="34" charset="0"/>
+                <a:cs typeface="Times New Roman" pitchFamily="18" charset="0"/>
+              </a:rPr>
+              <a:t>Destination Details</a:t>
             </a:r>
             <a:r>
               <a:rPr lang="en-GB" sz="1800" dirty="0">
                 <a:latin typeface="Times New Roman" pitchFamily="18" charset="0"/>
-                <a:cs typeface="Times New Roman" pitchFamily="18" charset="0"/>
-              </a:rPr>
-              <a:t>Destination </a:t>
+                <a:ea typeface="Calibri Light" pitchFamily="34" charset="0"/>
+                <a:cs typeface="Times New Roman" pitchFamily="18" charset="0"/>
+              </a:rPr>
+              <a:t> </a:t>
             </a:r>
             <a:r>
               <a:rPr lang="en-GB" sz="1800" dirty="0" smtClean="0">
                 <a:latin typeface="Times New Roman" pitchFamily="18" charset="0"/>
-                <a:cs typeface="Times New Roman" pitchFamily="18" charset="0"/>
-              </a:rPr>
-              <a:t>Details</a:t>
-            </a:r>
-            <a:r>
-              <a:rPr lang="en-GB" sz="1800" dirty="0">
-                <a:latin typeface="Times New Roman" pitchFamily="18" charset="0"/>
-                <a:cs typeface="Times New Roman" pitchFamily="18" charset="0"/>
-              </a:rPr>
-              <a:t> </a:t>
-            </a:r>
-            <a:r>
-              <a:rPr lang="en-GB" sz="1800" dirty="0" smtClean="0">
-                <a:latin typeface="Times New Roman" pitchFamily="18" charset="0"/>
+                <a:ea typeface="Calibri Light" pitchFamily="34" charset="0"/>
                 <a:cs typeface="Times New Roman" pitchFamily="18" charset="0"/>
               </a:rPr>
               <a:t>: </a:t>
             </a:r>
             <a:r>
-              <a:rPr lang="en-GB" sz="1800" dirty="0">
-                <a:latin typeface="Times New Roman" pitchFamily="18" charset="0"/>
-                <a:cs typeface="Times New Roman" pitchFamily="18" charset="0"/>
-              </a:rPr>
-              <a:t>The Tourist Information System will provide users with detailed information on popular tourist destinations in India, including major attractions, local activities, and cultural highlights.</a:t>
-            </a:r>
-          </a:p>
-          <a:p>
-            <a:pPr marL="285750" indent="-285750">
+              <a:rPr lang="en-GB" sz="1800" b="0" dirty="0">
+                <a:latin typeface="Times New Roman" pitchFamily="18" charset="0"/>
+                <a:ea typeface="Calibri Light" pitchFamily="34" charset="0"/>
+                <a:cs typeface="Times New Roman" pitchFamily="18" charset="0"/>
+              </a:rPr>
+              <a:t>The Tourist Information System will provide users with detailed information on popular tourist destinations in India, including major attractions, local activities, and cultural highlights</a:t>
+            </a:r>
+            <a:r>
+              <a:rPr lang="en-GB" sz="1800" b="0" dirty="0" smtClean="0">
+                <a:latin typeface="Times New Roman" pitchFamily="18" charset="0"/>
+                <a:ea typeface="Calibri Light" pitchFamily="34" charset="0"/>
+                <a:cs typeface="Times New Roman" pitchFamily="18" charset="0"/>
+              </a:rPr>
+              <a:t>.</a:t>
+            </a:r>
+            <a:endParaRPr lang="en-GB" sz="1800" b="0" dirty="0">
+              <a:latin typeface="Times New Roman" pitchFamily="18" charset="0"/>
+              <a:ea typeface="Calibri Light" pitchFamily="34" charset="0"/>
+              <a:cs typeface="Times New Roman" pitchFamily="18" charset="0"/>
+            </a:endParaRPr>
+          </a:p>
+          <a:p>
+            <a:pPr marL="285750" indent="-285750" algn="just">
               <a:lnSpc>
                 <a:spcPct val="150000"/>
               </a:lnSpc>
               <a:buFont typeface="Arial" pitchFamily="34" charset="0"/>
               <a:buChar char="•"/>
             </a:pPr>
-            <a:endParaRPr lang="en-GB" sz="1800" dirty="0">
-              <a:latin typeface="Times New Roman" pitchFamily="18" charset="0"/>
-              <a:cs typeface="Times New Roman" pitchFamily="18" charset="0"/>
-            </a:endParaRPr>
-          </a:p>
-          <a:p>
-            <a:pPr marL="285750" indent="-285750">
-              <a:lnSpc>
-                <a:spcPct val="150000"/>
-              </a:lnSpc>
-              <a:buFont typeface="Arial" pitchFamily="34" charset="0"/>
-              <a:buChar char="•"/>
-            </a:pPr>
             <a:r>
               <a:rPr lang="en-GB" sz="1800" dirty="0" smtClean="0">
                 <a:latin typeface="Times New Roman" pitchFamily="18" charset="0"/>
+                <a:ea typeface="Calibri Light" pitchFamily="34" charset="0"/>
                 <a:cs typeface="Times New Roman" pitchFamily="18" charset="0"/>
               </a:rPr>
               <a:t>Transportation Information</a:t>
@@ -5734,6 +5803,7 @@
             <a:r>
               <a:rPr lang="en-GB" sz="1800" dirty="0">
                 <a:latin typeface="Times New Roman" pitchFamily="18" charset="0"/>
+                <a:ea typeface="Calibri Light" pitchFamily="34" charset="0"/>
                 <a:cs typeface="Times New Roman" pitchFamily="18" charset="0"/>
               </a:rPr>
               <a:t> </a:t>
@@ -5741,21 +5811,27 @@
             <a:r>
               <a:rPr lang="en-GB" sz="1800" dirty="0" smtClean="0">
                 <a:latin typeface="Times New Roman" pitchFamily="18" charset="0"/>
-                <a:cs typeface="Times New Roman" pitchFamily="18" charset="0"/>
-              </a:rPr>
-              <a:t>: </a:t>
-            </a:r>
-            <a:r>
-              <a:rPr lang="en-GB" sz="1800" dirty="0">
-                <a:latin typeface="Times New Roman" pitchFamily="18" charset="0"/>
+                <a:ea typeface="Calibri Light" pitchFamily="34" charset="0"/>
+                <a:cs typeface="Times New Roman" pitchFamily="18" charset="0"/>
+              </a:rPr>
+              <a:t>:</a:t>
+            </a:r>
+            <a:r>
+              <a:rPr lang="en-GB" sz="1800" b="0" dirty="0" smtClean="0">
+                <a:latin typeface="Times New Roman" pitchFamily="18" charset="0"/>
+                <a:ea typeface="Calibri Light" pitchFamily="34" charset="0"/>
+                <a:cs typeface="Times New Roman" pitchFamily="18" charset="0"/>
+              </a:rPr>
+              <a:t> </a:t>
+            </a:r>
+            <a:r>
+              <a:rPr lang="en-GB" sz="1800" b="0" dirty="0">
+                <a:latin typeface="Times New Roman" pitchFamily="18" charset="0"/>
+                <a:ea typeface="Calibri Light" pitchFamily="34" charset="0"/>
                 <a:cs typeface="Times New Roman" pitchFamily="18" charset="0"/>
               </a:rPr>
               <a:t>Users will receive essential information on transportation options to and within the destination, including details on flights, trains, buses, and local transit systems.</a:t>
             </a:r>
-            <a:endParaRPr lang="en-GB" sz="1800" dirty="0">
-              <a:latin typeface="Times New Roman" pitchFamily="18" charset="0"/>
-              <a:cs typeface="Times New Roman" pitchFamily="18" charset="0"/>
-            </a:endParaRPr>
           </a:p>
         </p:txBody>
       </p:sp>
@@ -5801,8 +5877,8 @@
         </p:nvSpPr>
         <p:spPr>
           <a:xfrm>
-            <a:off x="822960" y="116632"/>
-            <a:ext cx="7520940" cy="797768"/>
+            <a:off x="467544" y="116632"/>
+            <a:ext cx="7876356" cy="797768"/>
           </a:xfrm>
         </p:spPr>
         <p:txBody>
@@ -5810,31 +5886,41 @@
           <a:lstStyle/>
           <a:p>
             <a:r>
-              <a:rPr lang="en-GB" dirty="0" smtClean="0"/>
+              <a:rPr lang="en-GB" b="1" dirty="0" smtClean="0">
+                <a:latin typeface="Times New Roman" pitchFamily="18" charset="0"/>
+                <a:cs typeface="Times New Roman" pitchFamily="18" charset="0"/>
+              </a:rPr>
               <a:t/>
             </a:r>
             <a:br>
-              <a:rPr lang="en-GB" dirty="0" smtClean="0"/>
+              <a:rPr lang="en-GB" b="1" dirty="0" smtClean="0">
+                <a:latin typeface="Times New Roman" pitchFamily="18" charset="0"/>
+                <a:cs typeface="Times New Roman" pitchFamily="18" charset="0"/>
+              </a:rPr>
             </a:br>
             <a:r>
-              <a:rPr lang="en-GB" sz="2000" dirty="0" smtClean="0">
-                <a:latin typeface="Arial Black" pitchFamily="34" charset="0"/>
+              <a:rPr lang="en-GB" sz="2000" b="1" dirty="0" smtClean="0">
+                <a:latin typeface="Times New Roman" pitchFamily="18" charset="0"/>
+                <a:cs typeface="Times New Roman" pitchFamily="18" charset="0"/>
               </a:rPr>
               <a:t>Business </a:t>
             </a:r>
             <a:r>
-              <a:rPr lang="en-GB" sz="2000" dirty="0">
-                <a:latin typeface="Arial Black" pitchFamily="34" charset="0"/>
+              <a:rPr lang="en-GB" sz="2000" b="1" dirty="0">
+                <a:latin typeface="Times New Roman" pitchFamily="18" charset="0"/>
+                <a:cs typeface="Times New Roman" pitchFamily="18" charset="0"/>
               </a:rPr>
               <a:t>Problem or Problem Statement</a:t>
             </a:r>
             <a:br>
-              <a:rPr lang="en-GB" sz="2000" dirty="0">
-                <a:latin typeface="Arial Black" pitchFamily="34" charset="0"/>
+              <a:rPr lang="en-GB" sz="2000" b="1" dirty="0">
+                <a:latin typeface="Times New Roman" pitchFamily="18" charset="0"/>
+                <a:cs typeface="Times New Roman" pitchFamily="18" charset="0"/>
               </a:rPr>
             </a:br>
-            <a:endParaRPr lang="en-GB" sz="2000" dirty="0">
-              <a:latin typeface="Arial Black" pitchFamily="34" charset="0"/>
+            <a:endParaRPr lang="en-GB" sz="2000" b="1" dirty="0">
+              <a:latin typeface="Times New Roman" pitchFamily="18" charset="0"/>
+              <a:cs typeface="Times New Roman" pitchFamily="18" charset="0"/>
             </a:endParaRPr>
           </a:p>
         </p:txBody>
@@ -5856,93 +5942,138 @@
           </a:bodyPr>
           <a:lstStyle/>
           <a:p>
-            <a:pPr>
+            <a:pPr algn="just">
               <a:lnSpc>
-                <a:spcPct val="200000"/>
+                <a:spcPct val="150000"/>
               </a:lnSpc>
               <a:buFont typeface="Arial" pitchFamily="34" charset="0"/>
               <a:buChar char="•"/>
             </a:pPr>
             <a:r>
-              <a:rPr lang="en-GB" sz="2000" dirty="0" smtClean="0"/>
+              <a:rPr lang="en-GB" sz="1800" b="0" dirty="0" smtClean="0">
+                <a:latin typeface="Times New Roman" pitchFamily="18" charset="0"/>
+                <a:cs typeface="Times New Roman" pitchFamily="18" charset="0"/>
+              </a:rPr>
               <a:t>    Tourists </a:t>
             </a:r>
             <a:r>
-              <a:rPr lang="en-GB" sz="2000" dirty="0"/>
+              <a:rPr lang="en-GB" sz="1800" b="0" dirty="0">
+                <a:latin typeface="Times New Roman" pitchFamily="18" charset="0"/>
+                <a:cs typeface="Times New Roman" pitchFamily="18" charset="0"/>
+              </a:rPr>
               <a:t>need detailed info to plan trips well.</a:t>
             </a:r>
           </a:p>
           <a:p>
-            <a:pPr>
+            <a:pPr algn="just">
               <a:lnSpc>
-                <a:spcPct val="200000"/>
+                <a:spcPct val="150000"/>
               </a:lnSpc>
               <a:buFont typeface="Arial" pitchFamily="34" charset="0"/>
               <a:buChar char="•"/>
             </a:pPr>
             <a:r>
-              <a:rPr lang="en-GB" sz="2000" dirty="0" smtClean="0"/>
+              <a:rPr lang="en-GB" sz="1800" b="0" dirty="0" smtClean="0">
+                <a:latin typeface="Times New Roman" pitchFamily="18" charset="0"/>
+                <a:cs typeface="Times New Roman" pitchFamily="18" charset="0"/>
+              </a:rPr>
               <a:t>     No </a:t>
             </a:r>
             <a:r>
-              <a:rPr lang="en-GB" sz="2000" dirty="0"/>
+              <a:rPr lang="en-GB" sz="1800" b="0" dirty="0">
+                <a:latin typeface="Times New Roman" pitchFamily="18" charset="0"/>
+                <a:cs typeface="Times New Roman" pitchFamily="18" charset="0"/>
+              </a:rPr>
               <a:t>one-stop platform for reliable info causes inconvenience.</a:t>
             </a:r>
           </a:p>
           <a:p>
-            <a:pPr>
+            <a:pPr algn="just">
               <a:lnSpc>
-                <a:spcPct val="200000"/>
+                <a:spcPct val="150000"/>
               </a:lnSpc>
               <a:buFont typeface="Arial" pitchFamily="34" charset="0"/>
               <a:buChar char="•"/>
             </a:pPr>
             <a:r>
-              <a:rPr lang="en-GB" sz="2000" dirty="0" smtClean="0"/>
+              <a:rPr lang="en-GB" sz="1800" b="0" dirty="0" smtClean="0">
+                <a:latin typeface="Times New Roman" pitchFamily="18" charset="0"/>
+                <a:cs typeface="Times New Roman" pitchFamily="18" charset="0"/>
+              </a:rPr>
               <a:t>     Travel </a:t>
             </a:r>
             <a:r>
-              <a:rPr lang="en-GB" sz="2000" dirty="0"/>
+              <a:rPr lang="en-GB" sz="1800" b="0" dirty="0">
+                <a:latin typeface="Times New Roman" pitchFamily="18" charset="0"/>
+                <a:cs typeface="Times New Roman" pitchFamily="18" charset="0"/>
+              </a:rPr>
               <a:t>experience suffers without easy access to info</a:t>
             </a:r>
             <a:r>
-              <a:rPr lang="en-GB" sz="2000" dirty="0" smtClean="0"/>
+              <a:rPr lang="en-GB" sz="1800" b="0" dirty="0" smtClean="0">
+                <a:latin typeface="Times New Roman" pitchFamily="18" charset="0"/>
+                <a:cs typeface="Times New Roman" pitchFamily="18" charset="0"/>
+              </a:rPr>
               <a:t>.</a:t>
             </a:r>
           </a:p>
           <a:p>
-            <a:pPr>
+            <a:pPr algn="just">
               <a:lnSpc>
-                <a:spcPct val="200000"/>
+                <a:spcPct val="150000"/>
               </a:lnSpc>
               <a:buFont typeface="Arial" pitchFamily="34" charset="0"/>
               <a:buChar char="•"/>
             </a:pPr>
             <a:r>
-              <a:rPr lang="en-GB" sz="2000" dirty="0" smtClean="0"/>
+              <a:rPr lang="en-GB" sz="1800" b="0" dirty="0" smtClean="0">
+                <a:latin typeface="Times New Roman" pitchFamily="18" charset="0"/>
+                <a:cs typeface="Times New Roman" pitchFamily="18" charset="0"/>
+              </a:rPr>
               <a:t>    Solution </a:t>
             </a:r>
             <a:r>
-              <a:rPr lang="en-GB" sz="2000" dirty="0"/>
+              <a:rPr lang="en-GB" sz="1800" b="0" dirty="0">
+                <a:latin typeface="Times New Roman" pitchFamily="18" charset="0"/>
+                <a:cs typeface="Times New Roman" pitchFamily="18" charset="0"/>
+              </a:rPr>
               <a:t>needed</a:t>
             </a:r>
             <a:r>
-              <a:rPr lang="en-GB" sz="2000" dirty="0" smtClean="0"/>
+              <a:rPr lang="en-GB" sz="1800" b="0" dirty="0" smtClean="0">
+                <a:latin typeface="Times New Roman" pitchFamily="18" charset="0"/>
+                <a:cs typeface="Times New Roman" pitchFamily="18" charset="0"/>
+              </a:rPr>
               <a:t>: create </a:t>
             </a:r>
             <a:r>
-              <a:rPr lang="en-GB" sz="2000" dirty="0"/>
-              <a:t>a system that gathers and presents </a:t>
-            </a:r>
-            <a:r>
-              <a:rPr lang="en-GB" sz="2000" dirty="0" smtClean="0"/>
-              <a:t>      tourist info </a:t>
-            </a:r>
-            <a:r>
-              <a:rPr lang="en-GB" sz="2000" dirty="0"/>
-              <a:t>in one place.</a:t>
-            </a:r>
-            <a:endParaRPr lang="en-GB" sz="2000" dirty="0"/>
+              <a:rPr lang="en-GB" sz="1800" b="0" dirty="0">
+                <a:latin typeface="Times New Roman" pitchFamily="18" charset="0"/>
+                <a:cs typeface="Times New Roman" pitchFamily="18" charset="0"/>
+              </a:rPr>
+              <a:t>a system that gathers and </a:t>
+            </a:r>
+            <a:r>
+              <a:rPr lang="en-GB" sz="1800" b="0" dirty="0" smtClean="0">
+                <a:latin typeface="Times New Roman" pitchFamily="18" charset="0"/>
+                <a:cs typeface="Times New Roman" pitchFamily="18" charset="0"/>
+              </a:rPr>
+              <a:t>presents tourist information </a:t>
+            </a:r>
+            <a:r>
+              <a:rPr lang="en-GB" sz="1800" b="0" dirty="0">
+                <a:latin typeface="Times New Roman" pitchFamily="18" charset="0"/>
+                <a:cs typeface="Times New Roman" pitchFamily="18" charset="0"/>
+              </a:rPr>
+              <a:t>in one place</a:t>
+            </a:r>
+            <a:r>
+              <a:rPr lang="en-GB" sz="2000" b="0" dirty="0">
+                <a:latin typeface="Times New Roman" pitchFamily="18" charset="0"/>
+                <a:cs typeface="Times New Roman" pitchFamily="18" charset="0"/>
+              </a:rPr>
+              <a:t>.</a:t>
+            </a:r>
           </a:p>
         </p:txBody>
       </p:sp>
@@ -5992,20 +6123,12 @@
           <a:lstStyle/>
           <a:p>
             <a:r>
-              <a:rPr lang="en-GB" sz="2400" dirty="0">
-                <a:latin typeface="Arial Black" pitchFamily="34" charset="0"/>
-              </a:rPr>
-              <a:t>Project</a:t>
-            </a:r>
-            <a:r>
-              <a:rPr lang="en-GB" sz="2400" b="1" dirty="0">
-                <a:latin typeface="Arial Black" pitchFamily="34" charset="0"/>
-              </a:rPr>
-              <a:t> Description</a:t>
-            </a:r>
-            <a:endParaRPr lang="en-GB" sz="2400" dirty="0">
-              <a:latin typeface="Arial Black" pitchFamily="34" charset="0"/>
-            </a:endParaRPr>
+              <a:rPr lang="en-GB" sz="1800" b="1" dirty="0">
+                <a:latin typeface="Times New Roman" pitchFamily="18" charset="0"/>
+                <a:cs typeface="Times New Roman" pitchFamily="18" charset="0"/>
+              </a:rPr>
+              <a:t>Project Description</a:t>
+            </a:r>
           </a:p>
         </p:txBody>
       </p:sp>
@@ -6026,100 +6149,138 @@
           <a:p>
             <a:pPr>
               <a:lnSpc>
-                <a:spcPct val="250000"/>
+                <a:spcPct val="150000"/>
               </a:lnSpc>
               <a:buFont typeface="Arial" pitchFamily="34" charset="0"/>
               <a:buChar char="•"/>
             </a:pPr>
             <a:r>
-              <a:rPr lang="en-GB" dirty="0"/>
+              <a:rPr lang="en-GB" b="0" dirty="0">
+                <a:latin typeface="Times New Roman" pitchFamily="18" charset="0"/>
+                <a:cs typeface="Times New Roman" pitchFamily="18" charset="0"/>
+              </a:rPr>
               <a:t> </a:t>
             </a:r>
             <a:r>
-              <a:rPr lang="en-GB" dirty="0" smtClean="0"/>
+              <a:rPr lang="en-GB" b="0" dirty="0" smtClean="0">
+                <a:latin typeface="Times New Roman" pitchFamily="18" charset="0"/>
+                <a:cs typeface="Times New Roman" pitchFamily="18" charset="0"/>
+              </a:rPr>
               <a:t> Create </a:t>
             </a:r>
             <a:r>
-              <a:rPr lang="en-GB" dirty="0"/>
+              <a:rPr lang="en-GB" b="0" dirty="0">
+                <a:latin typeface="Times New Roman" pitchFamily="18" charset="0"/>
+                <a:cs typeface="Times New Roman" pitchFamily="18" charset="0"/>
+              </a:rPr>
               <a:t>a Python command-line app.</a:t>
             </a:r>
           </a:p>
           <a:p>
             <a:pPr>
               <a:lnSpc>
-                <a:spcPct val="250000"/>
+                <a:spcPct val="150000"/>
               </a:lnSpc>
               <a:buFont typeface="Arial" pitchFamily="34" charset="0"/>
               <a:buChar char="•"/>
             </a:pPr>
             <a:r>
-              <a:rPr lang="en-GB" dirty="0"/>
+              <a:rPr lang="en-GB" b="0" dirty="0">
+                <a:latin typeface="Times New Roman" pitchFamily="18" charset="0"/>
+                <a:cs typeface="Times New Roman" pitchFamily="18" charset="0"/>
+              </a:rPr>
               <a:t> </a:t>
             </a:r>
             <a:r>
-              <a:rPr lang="en-GB" dirty="0" smtClean="0"/>
+              <a:rPr lang="en-GB" b="0" dirty="0" smtClean="0">
+                <a:latin typeface="Times New Roman" pitchFamily="18" charset="0"/>
+                <a:cs typeface="Times New Roman" pitchFamily="18" charset="0"/>
+              </a:rPr>
               <a:t> Store </a:t>
             </a:r>
             <a:r>
-              <a:rPr lang="en-GB" dirty="0"/>
+              <a:rPr lang="en-GB" b="0" dirty="0">
+                <a:latin typeface="Times New Roman" pitchFamily="18" charset="0"/>
+                <a:cs typeface="Times New Roman" pitchFamily="18" charset="0"/>
+              </a:rPr>
               <a:t>and retrieve tourist info for Indian destinations.</a:t>
             </a:r>
           </a:p>
           <a:p>
             <a:pPr>
               <a:lnSpc>
-                <a:spcPct val="250000"/>
+                <a:spcPct val="150000"/>
               </a:lnSpc>
               <a:buFont typeface="Arial" pitchFamily="34" charset="0"/>
               <a:buChar char="•"/>
             </a:pPr>
             <a:r>
-              <a:rPr lang="en-GB" dirty="0" smtClean="0"/>
+              <a:rPr lang="en-GB" b="0" dirty="0" smtClean="0">
+                <a:latin typeface="Times New Roman" pitchFamily="18" charset="0"/>
+                <a:cs typeface="Times New Roman" pitchFamily="18" charset="0"/>
+              </a:rPr>
               <a:t>  </a:t>
             </a:r>
             <a:r>
-              <a:rPr lang="en-GB" dirty="0"/>
+              <a:rPr lang="en-GB" b="0" dirty="0">
+                <a:latin typeface="Times New Roman" pitchFamily="18" charset="0"/>
+                <a:cs typeface="Times New Roman" pitchFamily="18" charset="0"/>
+              </a:rPr>
               <a:t>Use a set dataset with details on attractions, activities, and transportation.</a:t>
             </a:r>
           </a:p>
           <a:p>
             <a:pPr>
               <a:lnSpc>
-                <a:spcPct val="250000"/>
+                <a:spcPct val="150000"/>
               </a:lnSpc>
               <a:buFont typeface="Arial" pitchFamily="34" charset="0"/>
               <a:buChar char="•"/>
             </a:pPr>
             <a:r>
-              <a:rPr lang="en-GB" dirty="0" smtClean="0"/>
+              <a:rPr lang="en-GB" b="0" dirty="0" smtClean="0">
+                <a:latin typeface="Times New Roman" pitchFamily="18" charset="0"/>
+                <a:cs typeface="Times New Roman" pitchFamily="18" charset="0"/>
+              </a:rPr>
               <a:t> </a:t>
             </a:r>
             <a:r>
-              <a:rPr lang="en-GB" dirty="0"/>
+              <a:rPr lang="en-GB" b="0" dirty="0">
+                <a:latin typeface="Times New Roman" pitchFamily="18" charset="0"/>
+                <a:cs typeface="Times New Roman" pitchFamily="18" charset="0"/>
+              </a:rPr>
               <a:t>Users input a destination name to access relevant info.</a:t>
             </a:r>
           </a:p>
           <a:p>
             <a:pPr>
               <a:lnSpc>
-                <a:spcPct val="250000"/>
+                <a:spcPct val="150000"/>
               </a:lnSpc>
               <a:buFont typeface="Arial" pitchFamily="34" charset="0"/>
               <a:buChar char="•"/>
             </a:pPr>
             <a:r>
-              <a:rPr lang="en-GB" dirty="0"/>
+              <a:rPr lang="en-GB" b="0" dirty="0">
+                <a:latin typeface="Times New Roman" pitchFamily="18" charset="0"/>
+                <a:cs typeface="Times New Roman" pitchFamily="18" charset="0"/>
+              </a:rPr>
               <a:t> </a:t>
             </a:r>
             <a:r>
-              <a:rPr lang="en-GB" dirty="0" smtClean="0"/>
+              <a:rPr lang="en-GB" b="0" dirty="0" smtClean="0">
+                <a:latin typeface="Times New Roman" pitchFamily="18" charset="0"/>
+                <a:cs typeface="Times New Roman" pitchFamily="18" charset="0"/>
+              </a:rPr>
               <a:t>  Aims </a:t>
             </a:r>
             <a:r>
-              <a:rPr lang="en-GB" dirty="0"/>
+              <a:rPr lang="en-GB" b="0" dirty="0">
+                <a:latin typeface="Times New Roman" pitchFamily="18" charset="0"/>
+                <a:cs typeface="Times New Roman" pitchFamily="18" charset="0"/>
+              </a:rPr>
               <a:t>to improve travel planning process.</a:t>
             </a:r>
-            <a:endParaRPr lang="en-GB" dirty="0"/>
           </a:p>
         </p:txBody>
       </p:sp>
@@ -6169,26 +6330,42 @@
           <a:lstStyle/>
           <a:p>
             <a:r>
-              <a:rPr lang="en-GB" dirty="0" smtClean="0"/>
+              <a:rPr lang="en-GB" sz="2000" b="1" dirty="0" smtClean="0">
+                <a:latin typeface="Times New Roman" pitchFamily="18" charset="0"/>
+                <a:cs typeface="Times New Roman" pitchFamily="18" charset="0"/>
+              </a:rPr>
               <a:t/>
             </a:r>
             <a:br>
-              <a:rPr lang="en-GB" dirty="0" smtClean="0"/>
+              <a:rPr lang="en-GB" sz="2000" b="1" dirty="0" smtClean="0">
+                <a:latin typeface="Times New Roman" pitchFamily="18" charset="0"/>
+                <a:cs typeface="Times New Roman" pitchFamily="18" charset="0"/>
+              </a:rPr>
             </a:br>
             <a:r>
-              <a:rPr lang="en-GB" sz="2000" dirty="0" smtClean="0">
-                <a:latin typeface="Arial Black" pitchFamily="34" charset="0"/>
-              </a:rPr>
-              <a:t>Functionality</a:t>
-            </a:r>
-            <a:r>
-              <a:rPr lang="en-GB" dirty="0"/>
+              <a:rPr lang="en-GB" sz="2000" b="1" dirty="0" smtClean="0">
+                <a:latin typeface="Times New Roman" pitchFamily="18" charset="0"/>
+                <a:cs typeface="Times New Roman" pitchFamily="18" charset="0"/>
+              </a:rPr>
+              <a:t>Functionality:</a:t>
+            </a:r>
+            <a:r>
+              <a:rPr lang="en-GB" sz="2000" b="1" dirty="0">
+                <a:latin typeface="Times New Roman" pitchFamily="18" charset="0"/>
+                <a:cs typeface="Times New Roman" pitchFamily="18" charset="0"/>
+              </a:rPr>
               <a:t/>
             </a:r>
             <a:br>
-              <a:rPr lang="en-GB" dirty="0"/>
+              <a:rPr lang="en-GB" sz="2000" b="1" dirty="0">
+                <a:latin typeface="Times New Roman" pitchFamily="18" charset="0"/>
+                <a:cs typeface="Times New Roman" pitchFamily="18" charset="0"/>
+              </a:rPr>
             </a:br>
-            <a:endParaRPr lang="en-GB" dirty="0"/>
+            <a:endParaRPr lang="en-GB" sz="2000" b="1" dirty="0">
+              <a:latin typeface="Times New Roman" pitchFamily="18" charset="0"/>
+              <a:cs typeface="Times New Roman" pitchFamily="18" charset="0"/>
+            </a:endParaRPr>
           </a:p>
         </p:txBody>
       </p:sp>
@@ -6202,10 +6379,15 @@
             <p:ph idx="1"/>
           </p:nvPr>
         </p:nvSpPr>
-        <p:spPr/>
+        <p:spPr>
+          <a:xfrm>
+            <a:off x="822960" y="881379"/>
+            <a:ext cx="7520940" cy="3843765"/>
+          </a:xfrm>
+        </p:spPr>
         <p:txBody>
           <a:bodyPr>
-            <a:normAutofit lnSpcReduction="10000"/>
+            <a:normAutofit/>
           </a:bodyPr>
           <a:lstStyle/>
           <a:p>
@@ -6220,31 +6402,45 @@
               <a:buChar char="•"/>
             </a:pPr>
             <a:r>
-              <a:rPr lang="en-GB" dirty="0"/>
+              <a:rPr lang="en-GB" dirty="0">
+                <a:latin typeface="Times New Roman" pitchFamily="18" charset="0"/>
+                <a:cs typeface="Times New Roman" pitchFamily="18" charset="0"/>
+              </a:rPr>
               <a:t>Add </a:t>
             </a:r>
             <a:r>
-              <a:rPr lang="en-GB" dirty="0" smtClean="0"/>
+              <a:rPr lang="en-GB" dirty="0" smtClean="0">
+                <a:latin typeface="Times New Roman" pitchFamily="18" charset="0"/>
+                <a:cs typeface="Times New Roman" pitchFamily="18" charset="0"/>
+              </a:rPr>
               <a:t>Destination  </a:t>
             </a:r>
             <a:r>
-              <a:rPr lang="en-GB" b="0" dirty="0" smtClean="0"/>
-              <a:t>: </a:t>
-            </a:r>
-            <a:r>
-              <a:rPr lang="en-GB" dirty="0" smtClean="0"/>
-              <a:t> </a:t>
-            </a:r>
-            <a:r>
-              <a:rPr lang="en-GB" dirty="0"/>
+              <a:rPr lang="en-GB" b="0" dirty="0" smtClean="0">
+                <a:latin typeface="Times New Roman" pitchFamily="18" charset="0"/>
+                <a:cs typeface="Times New Roman" pitchFamily="18" charset="0"/>
+              </a:rPr>
+              <a:t>:  </a:t>
+            </a:r>
+            <a:r>
+              <a:rPr lang="en-GB" b="0" dirty="0">
+                <a:latin typeface="Times New Roman" pitchFamily="18" charset="0"/>
+                <a:cs typeface="Times New Roman" pitchFamily="18" charset="0"/>
+              </a:rPr>
               <a:t>Allows the addition of a new destination with its associated </a:t>
             </a:r>
             <a:r>
-              <a:rPr lang="en-GB" dirty="0" smtClean="0"/>
+              <a:rPr lang="en-GB" b="0" dirty="0" smtClean="0">
+                <a:latin typeface="Times New Roman" pitchFamily="18" charset="0"/>
+                <a:cs typeface="Times New Roman" pitchFamily="18" charset="0"/>
+              </a:rPr>
               <a:t> information</a:t>
             </a:r>
             <a:r>
-              <a:rPr lang="en-GB" dirty="0"/>
+              <a:rPr lang="en-GB" b="0" dirty="0">
+                <a:latin typeface="Times New Roman" pitchFamily="18" charset="0"/>
+                <a:cs typeface="Times New Roman" pitchFamily="18" charset="0"/>
+              </a:rPr>
               <a:t>.</a:t>
             </a:r>
           </a:p>
@@ -6257,8 +6453,18 @@
               <a:buChar char="•"/>
             </a:pPr>
             <a:r>
-              <a:rPr lang="en-GB" dirty="0"/>
-              <a:t>Retrieve Information: Fetches and displays information about a specific destination entered by the user.</a:t>
+              <a:rPr lang="en-GB" dirty="0">
+                <a:latin typeface="Times New Roman" pitchFamily="18" charset="0"/>
+                <a:cs typeface="Times New Roman" pitchFamily="18" charset="0"/>
+              </a:rPr>
+              <a:t>Retrieve Information</a:t>
+            </a:r>
+            <a:r>
+              <a:rPr lang="en-GB" b="0" dirty="0">
+                <a:latin typeface="Times New Roman" pitchFamily="18" charset="0"/>
+                <a:cs typeface="Times New Roman" pitchFamily="18" charset="0"/>
+              </a:rPr>
+              <a:t>: Fetches and displays information about a specific destination entered by the user.</a:t>
             </a:r>
           </a:p>
           <a:p>
@@ -6270,15 +6476,31 @@
               <a:buChar char="•"/>
             </a:pPr>
             <a:r>
-              <a:rPr lang="en-GB" dirty="0"/>
+              <a:rPr lang="en-GB" dirty="0">
+                <a:latin typeface="Times New Roman" pitchFamily="18" charset="0"/>
+                <a:cs typeface="Times New Roman" pitchFamily="18" charset="0"/>
+              </a:rPr>
               <a:t>List </a:t>
             </a:r>
             <a:r>
-              <a:rPr lang="en-GB" dirty="0" smtClean="0"/>
-              <a:t>Destinations : </a:t>
-            </a:r>
-            <a:r>
-              <a:rPr lang="en-GB" dirty="0"/>
+              <a:rPr lang="en-GB" dirty="0" smtClean="0">
+                <a:latin typeface="Times New Roman" pitchFamily="18" charset="0"/>
+                <a:cs typeface="Times New Roman" pitchFamily="18" charset="0"/>
+              </a:rPr>
+              <a:t>Destinations </a:t>
+            </a:r>
+            <a:r>
+              <a:rPr lang="en-GB" b="0" dirty="0" smtClean="0">
+                <a:latin typeface="Times New Roman" pitchFamily="18" charset="0"/>
+                <a:cs typeface="Times New Roman" pitchFamily="18" charset="0"/>
+              </a:rPr>
+              <a:t>: </a:t>
+            </a:r>
+            <a:r>
+              <a:rPr lang="en-GB" b="0" dirty="0">
+                <a:latin typeface="Times New Roman" pitchFamily="18" charset="0"/>
+                <a:cs typeface="Times New Roman" pitchFamily="18" charset="0"/>
+              </a:rPr>
               <a:t>Lists all available destinations to inform users about their options.</a:t>
             </a:r>
           </a:p>
@@ -6291,15 +6513,24 @@
               <a:buChar char="•"/>
             </a:pPr>
             <a:r>
-              <a:rPr lang="en-GB" dirty="0"/>
+              <a:rPr lang="en-GB" dirty="0">
+                <a:latin typeface="Times New Roman" pitchFamily="18" charset="0"/>
+                <a:cs typeface="Times New Roman" pitchFamily="18" charset="0"/>
+              </a:rPr>
               <a:t>User </a:t>
             </a:r>
             <a:r>
-              <a:rPr lang="en-GB" dirty="0" smtClean="0"/>
+              <a:rPr lang="en-GB" dirty="0" smtClean="0">
+                <a:latin typeface="Times New Roman" pitchFamily="18" charset="0"/>
+                <a:cs typeface="Times New Roman" pitchFamily="18" charset="0"/>
+              </a:rPr>
               <a:t>Interaction : </a:t>
             </a:r>
             <a:r>
-              <a:rPr lang="en-GB" dirty="0"/>
+              <a:rPr lang="en-GB" b="0" dirty="0">
+                <a:latin typeface="Times New Roman" pitchFamily="18" charset="0"/>
+                <a:cs typeface="Times New Roman" pitchFamily="18" charset="0"/>
+              </a:rPr>
               <a:t>Provides an interactive command-line interface for user input and output.</a:t>
             </a:r>
           </a:p>
@@ -6350,7 +6581,7 @@
         </p:nvSpPr>
         <p:spPr>
           <a:xfrm>
-            <a:off x="827584" y="365760"/>
+            <a:off x="827584" y="332656"/>
             <a:ext cx="7516316" cy="903000"/>
           </a:xfrm>
         </p:spPr>
@@ -6374,31 +6605,50 @@
               </a:rPr>
             </a:br>
             <a:r>
-              <a:rPr lang="en-GB" sz="2000" dirty="0" smtClean="0">
-                <a:latin typeface="Arial Black" pitchFamily="34" charset="0"/>
+              <a:rPr lang="en-GB" sz="2000" b="1" dirty="0" smtClean="0">
+                <a:latin typeface="Times New Roman" pitchFamily="18" charset="0"/>
+                <a:cs typeface="Times New Roman" pitchFamily="18" charset="0"/>
               </a:rPr>
               <a:t>Input </a:t>
             </a:r>
             <a:r>
-              <a:rPr lang="en-GB" sz="2000" dirty="0">
-                <a:latin typeface="Arial Black" pitchFamily="34" charset="0"/>
+              <a:rPr lang="en-GB" sz="2000" b="1" dirty="0">
+                <a:latin typeface="Times New Roman" pitchFamily="18" charset="0"/>
+                <a:cs typeface="Times New Roman" pitchFamily="18" charset="0"/>
               </a:rPr>
               <a:t>Versatility with Error Handling and Exception </a:t>
             </a:r>
             <a:r>
-              <a:rPr lang="en-GB" sz="2000" dirty="0" smtClean="0">
-                <a:latin typeface="Arial Black" pitchFamily="34" charset="0"/>
-              </a:rPr>
-              <a:t>Handling   : </a:t>
-            </a:r>
-            <a:r>
-              <a:rPr lang="en-GB" sz="2000" dirty="0"/>
+              <a:rPr lang="en-GB" sz="2000" b="1" dirty="0" smtClean="0">
+                <a:latin typeface="Times New Roman" pitchFamily="18" charset="0"/>
+                <a:cs typeface="Times New Roman" pitchFamily="18" charset="0"/>
+              </a:rPr>
+              <a:t>Handling </a:t>
+            </a:r>
+            <a:r>
+              <a:rPr lang="en-GB" sz="2000" b="1" dirty="0" smtClean="0">
+                <a:latin typeface="Times New Roman" pitchFamily="18" charset="0"/>
+                <a:cs typeface="Times New Roman" pitchFamily="18" charset="0"/>
+              </a:rPr>
+              <a:t>: </a:t>
+            </a:r>
+            <a:r>
+              <a:rPr lang="en-GB" sz="2000" b="1" dirty="0">
+                <a:latin typeface="Times New Roman" pitchFamily="18" charset="0"/>
+                <a:cs typeface="Times New Roman" pitchFamily="18" charset="0"/>
+              </a:rPr>
               <a:t/>
             </a:r>
             <a:br>
-              <a:rPr lang="en-GB" sz="2000" dirty="0"/>
+              <a:rPr lang="en-GB" sz="2000" b="1" dirty="0">
+                <a:latin typeface="Times New Roman" pitchFamily="18" charset="0"/>
+                <a:cs typeface="Times New Roman" pitchFamily="18" charset="0"/>
+              </a:rPr>
             </a:br>
-            <a:endParaRPr lang="en-GB" sz="2000" dirty="0"/>
+            <a:endParaRPr lang="en-GB" sz="2000" b="1" dirty="0">
+              <a:latin typeface="Times New Roman" pitchFamily="18" charset="0"/>
+              <a:cs typeface="Times New Roman" pitchFamily="18" charset="0"/>
+            </a:endParaRPr>
           </a:p>
         </p:txBody>
       </p:sp>
@@ -6414,7 +6664,9 @@
         </p:nvSpPr>
         <p:spPr/>
         <p:txBody>
-          <a:bodyPr/>
+          <a:bodyPr>
+            <a:normAutofit/>
+          </a:bodyPr>
           <a:lstStyle/>
           <a:p>
             <a:r>
@@ -6423,99 +6675,158 @@
             </a:r>
           </a:p>
           <a:p>
-            <a:r>
-              <a:rPr lang="en-GB" sz="2000" dirty="0">
-                <a:latin typeface="Arial Black" pitchFamily="34" charset="0"/>
+            <a:pPr>
+              <a:buFont typeface="Arial" pitchFamily="34" charset="0"/>
+              <a:buChar char="•"/>
+            </a:pPr>
+            <a:r>
+              <a:rPr lang="en-GB" sz="1800" dirty="0">
+                <a:latin typeface="Times New Roman" pitchFamily="18" charset="0"/>
+                <a:cs typeface="Times New Roman" pitchFamily="18" charset="0"/>
               </a:rPr>
               <a:t>Input </a:t>
             </a:r>
             <a:r>
-              <a:rPr lang="en-GB" sz="2000" dirty="0" smtClean="0">
-                <a:latin typeface="Arial Black" pitchFamily="34" charset="0"/>
-              </a:rPr>
-              <a:t>Handling  :</a:t>
-            </a:r>
-          </a:p>
-          <a:p>
-            <a:r>
-              <a:rPr lang="en-GB" sz="2000" dirty="0"/>
-              <a:t> </a:t>
-            </a:r>
-            <a:r>
-              <a:rPr lang="en-GB" sz="2000" dirty="0" smtClean="0"/>
-              <a:t>      The </a:t>
-            </a:r>
-            <a:r>
-              <a:rPr lang="en-GB" sz="2000" dirty="0"/>
-              <a:t>system prompts the user to enter the name of a destination.</a:t>
-            </a:r>
-          </a:p>
-          <a:p>
-            <a:r>
-              <a:rPr lang="en-GB" sz="2000" dirty="0">
-                <a:latin typeface="Arial Black" pitchFamily="34" charset="0"/>
+              <a:rPr lang="en-GB" sz="1800" dirty="0" smtClean="0">
+                <a:latin typeface="Times New Roman" pitchFamily="18" charset="0"/>
+                <a:cs typeface="Times New Roman" pitchFamily="18" charset="0"/>
+              </a:rPr>
+              <a:t>Handling : </a:t>
+            </a:r>
+            <a:r>
+              <a:rPr lang="en-GB" sz="1800" b="0" dirty="0" smtClean="0">
+                <a:latin typeface="Times New Roman" pitchFamily="18" charset="0"/>
+                <a:cs typeface="Times New Roman" pitchFamily="18" charset="0"/>
+              </a:rPr>
+              <a:t>The </a:t>
+            </a:r>
+            <a:r>
+              <a:rPr lang="en-GB" sz="1800" b="0" dirty="0">
+                <a:latin typeface="Times New Roman" pitchFamily="18" charset="0"/>
+                <a:cs typeface="Times New Roman" pitchFamily="18" charset="0"/>
+              </a:rPr>
+              <a:t>system prompts the user to enter the name of a </a:t>
+            </a:r>
+            <a:r>
+              <a:rPr lang="en-GB" sz="1800" b="0" dirty="0" smtClean="0">
+                <a:latin typeface="Times New Roman" pitchFamily="18" charset="0"/>
+                <a:cs typeface="Times New Roman" pitchFamily="18" charset="0"/>
+              </a:rPr>
+              <a:t>     destination</a:t>
+            </a:r>
+            <a:r>
+              <a:rPr lang="en-GB" sz="1800" b="0" dirty="0">
+                <a:latin typeface="Times New Roman" pitchFamily="18" charset="0"/>
+                <a:cs typeface="Times New Roman" pitchFamily="18" charset="0"/>
+              </a:rPr>
+              <a:t>.</a:t>
+            </a:r>
+          </a:p>
+          <a:p>
+            <a:pPr>
+              <a:buFont typeface="Arial" pitchFamily="34" charset="0"/>
+              <a:buChar char="•"/>
+            </a:pPr>
+            <a:r>
+              <a:rPr lang="en-GB" sz="1800" dirty="0">
+                <a:latin typeface="Times New Roman" pitchFamily="18" charset="0"/>
+                <a:cs typeface="Times New Roman" pitchFamily="18" charset="0"/>
               </a:rPr>
               <a:t>Error </a:t>
             </a:r>
             <a:r>
-              <a:rPr lang="en-GB" sz="2000" dirty="0" smtClean="0">
-                <a:latin typeface="Arial Black" pitchFamily="34" charset="0"/>
-              </a:rPr>
-              <a:t>Handling  :</a:t>
-            </a:r>
-          </a:p>
-          <a:p>
-            <a:r>
-              <a:rPr lang="en-GB" sz="2000" dirty="0"/>
-              <a:t> </a:t>
-            </a:r>
-            <a:r>
-              <a:rPr lang="en-GB" sz="2000" dirty="0" smtClean="0"/>
-              <a:t>      If  the </a:t>
-            </a:r>
-            <a:r>
-              <a:rPr lang="en-GB" sz="2000" dirty="0"/>
+              <a:rPr lang="en-GB" sz="1800" dirty="0" smtClean="0">
+                <a:latin typeface="Times New Roman" pitchFamily="18" charset="0"/>
+                <a:cs typeface="Times New Roman" pitchFamily="18" charset="0"/>
+              </a:rPr>
+              <a:t>Handling : </a:t>
+            </a:r>
+            <a:r>
+              <a:rPr lang="en-GB" sz="1800" b="0" dirty="0" smtClean="0">
+                <a:latin typeface="Times New Roman" pitchFamily="18" charset="0"/>
+                <a:cs typeface="Times New Roman" pitchFamily="18" charset="0"/>
+              </a:rPr>
+              <a:t>If  </a:t>
+            </a:r>
+            <a:r>
+              <a:rPr lang="en-GB" sz="1800" b="0" dirty="0" smtClean="0">
+                <a:latin typeface="Times New Roman" pitchFamily="18" charset="0"/>
+                <a:cs typeface="Times New Roman" pitchFamily="18" charset="0"/>
+              </a:rPr>
+              <a:t>the </a:t>
+            </a:r>
+            <a:r>
+              <a:rPr lang="en-GB" sz="1800" b="0" dirty="0">
+                <a:latin typeface="Times New Roman" pitchFamily="18" charset="0"/>
+                <a:cs typeface="Times New Roman" pitchFamily="18" charset="0"/>
+              </a:rPr>
               <a:t>user inputs a destination that is not in the system, the system responds with "Destination not found."</a:t>
             </a:r>
           </a:p>
           <a:p>
-            <a:r>
-              <a:rPr lang="en-GB" sz="2000" dirty="0">
-                <a:latin typeface="Arial Black" pitchFamily="34" charset="0"/>
+            <a:pPr>
+              <a:buFont typeface="Arial" pitchFamily="34" charset="0"/>
+              <a:buChar char="•"/>
+            </a:pPr>
+            <a:r>
+              <a:rPr lang="en-GB" sz="1800" dirty="0">
+                <a:latin typeface="Times New Roman" pitchFamily="18" charset="0"/>
+                <a:cs typeface="Times New Roman" pitchFamily="18" charset="0"/>
               </a:rPr>
               <a:t>Exception </a:t>
             </a:r>
             <a:r>
-              <a:rPr lang="en-GB" sz="2000" dirty="0" smtClean="0">
-                <a:latin typeface="Arial Black" pitchFamily="34" charset="0"/>
-              </a:rPr>
-              <a:t>Handling  :  </a:t>
-            </a:r>
-          </a:p>
-          <a:p>
-            <a:r>
-              <a:rPr lang="en-GB" sz="2000" dirty="0" smtClean="0"/>
-              <a:t>       The </a:t>
-            </a:r>
-            <a:r>
-              <a:rPr lang="en-GB" sz="2000" dirty="0"/>
+              <a:rPr lang="en-GB" sz="1800" dirty="0" smtClean="0">
+                <a:latin typeface="Times New Roman" pitchFamily="18" charset="0"/>
+                <a:cs typeface="Times New Roman" pitchFamily="18" charset="0"/>
+              </a:rPr>
+              <a:t>Handling</a:t>
+            </a:r>
+            <a:r>
+              <a:rPr lang="en-GB" sz="1800" b="0" dirty="0" smtClean="0">
+                <a:latin typeface="Times New Roman" pitchFamily="18" charset="0"/>
+                <a:cs typeface="Times New Roman" pitchFamily="18" charset="0"/>
+              </a:rPr>
+              <a:t> : The </a:t>
+            </a:r>
+            <a:r>
+              <a:rPr lang="en-GB" sz="1800" b="0" dirty="0">
+                <a:latin typeface="Times New Roman" pitchFamily="18" charset="0"/>
+                <a:cs typeface="Times New Roman" pitchFamily="18" charset="0"/>
+              </a:rPr>
               <a:t>system gracefully handles keyboard interrupts (</a:t>
             </a:r>
             <a:r>
-              <a:rPr lang="en-GB" sz="2000" dirty="0" err="1"/>
+              <a:rPr lang="en-GB" sz="1800" b="0" dirty="0" err="1">
+                <a:latin typeface="Times New Roman" pitchFamily="18" charset="0"/>
+                <a:cs typeface="Times New Roman" pitchFamily="18" charset="0"/>
+              </a:rPr>
               <a:t>Ctrl+C</a:t>
             </a:r>
             <a:r>
-              <a:rPr lang="en-GB" sz="2000" dirty="0"/>
+              <a:rPr lang="en-GB" sz="1800" b="0" dirty="0">
+                <a:latin typeface="Times New Roman" pitchFamily="18" charset="0"/>
+                <a:cs typeface="Times New Roman" pitchFamily="18" charset="0"/>
+              </a:rPr>
               <a:t>) and end-of-file errors (</a:t>
             </a:r>
             <a:r>
-              <a:rPr lang="en-GB" sz="2000" dirty="0" err="1"/>
+              <a:rPr lang="en-GB" sz="1800" b="0" dirty="0" err="1">
+                <a:latin typeface="Times New Roman" pitchFamily="18" charset="0"/>
+                <a:cs typeface="Times New Roman" pitchFamily="18" charset="0"/>
+              </a:rPr>
               <a:t>Ctrl+D</a:t>
             </a:r>
             <a:r>
-              <a:rPr lang="en-GB" sz="2000" dirty="0"/>
-              <a:t>) to exit the program without crashing.</a:t>
+              <a:rPr lang="en-GB" sz="1800" b="0" dirty="0">
+                <a:latin typeface="Times New Roman" pitchFamily="18" charset="0"/>
+                <a:cs typeface="Times New Roman" pitchFamily="18" charset="0"/>
+              </a:rPr>
+              <a:t>) to exit the program without crashing</a:t>
+            </a:r>
+            <a:r>
+              <a:rPr lang="en-GB" sz="1800" dirty="0"/>
+              <a:t>.</a:t>
             </a:r>
           </a:p>
           <a:p>
@@ -6565,8 +6876,8 @@
         </p:nvSpPr>
         <p:spPr>
           <a:xfrm>
-            <a:off x="827584" y="116632"/>
-            <a:ext cx="7516316" cy="797768"/>
+            <a:off x="251520" y="116632"/>
+            <a:ext cx="8092380" cy="797768"/>
           </a:xfrm>
         </p:spPr>
         <p:txBody>
@@ -6574,8 +6885,15 @@
           <a:lstStyle/>
           <a:p>
             <a:r>
+              <a:rPr lang="en-GB" sz="2000" b="1" dirty="0">
+                <a:latin typeface="Times New Roman" pitchFamily="18" charset="0"/>
+                <a:cs typeface="Times New Roman" pitchFamily="18" charset="0"/>
+              </a:rPr>
+              <a:t>Results and Outcomes</a:t>
+            </a:r>
+            <a:r>
               <a:rPr lang="en-GB" dirty="0"/>
-              <a:t>Results and Outcomes</a:t>
+              <a:t/>
             </a:r>
             <a:br>
               <a:rPr lang="en-GB" dirty="0"/>
@@ -6619,8 +6937,8 @@
         </p:nvSpPr>
         <p:spPr>
           <a:xfrm>
-            <a:off x="899592" y="908720"/>
-            <a:ext cx="8136904" cy="4939814"/>
+            <a:off x="323528" y="692696"/>
+            <a:ext cx="8712968" cy="3139321"/>
           </a:xfrm>
           <a:prstGeom prst="rect">
             <a:avLst/>
@@ -6632,50 +6950,91 @@
           </a:bodyPr>
           <a:lstStyle/>
           <a:p>
-            <a:pPr>
+            <a:pPr marL="285750" indent="-285750" algn="just">
               <a:lnSpc>
-                <a:spcPct val="250000"/>
+                <a:spcPct val="150000"/>
               </a:lnSpc>
+              <a:buFont typeface="Arial" pitchFamily="34" charset="0"/>
+              <a:buChar char="•"/>
             </a:pPr>
             <a:r>
-              <a:rPr lang="en-GB" b="1" dirty="0"/>
-              <a:t>Comprehensive Platform</a:t>
-            </a:r>
-            <a:r>
-              <a:rPr lang="en-GB" dirty="0"/>
-              <a:t>: The Tourist Information System provides a centralized platform for accessing detailed information about popular destinations in India, covering attractions, activities, and transportation options.</a:t>
-            </a:r>
-          </a:p>
-          <a:p>
-            <a:pPr>
+              <a:rPr lang="en-GB" b="1" dirty="0">
+                <a:latin typeface="Times New Roman" pitchFamily="18" charset="0"/>
+                <a:cs typeface="Times New Roman" pitchFamily="18" charset="0"/>
+              </a:rPr>
+              <a:t>Global P</a:t>
+            </a:r>
+            <a:r>
+              <a:rPr lang="en-GB" b="1" dirty="0" smtClean="0">
+                <a:latin typeface="Times New Roman" pitchFamily="18" charset="0"/>
+                <a:cs typeface="Times New Roman" pitchFamily="18" charset="0"/>
+              </a:rPr>
+              <a:t>latform :</a:t>
+            </a:r>
+            <a:r>
+              <a:rPr lang="en-GB" dirty="0" smtClean="0">
+                <a:latin typeface="Times New Roman" pitchFamily="18" charset="0"/>
+                <a:cs typeface="Times New Roman" pitchFamily="18" charset="0"/>
+              </a:rPr>
+              <a:t> </a:t>
+            </a:r>
+            <a:r>
+              <a:rPr lang="en-GB" dirty="0">
+                <a:latin typeface="Times New Roman" pitchFamily="18" charset="0"/>
+                <a:cs typeface="Times New Roman" pitchFamily="18" charset="0"/>
+              </a:rPr>
+              <a:t>The Tourist Information System provides a centralized platform for accessing detailed information about popular destinations in India, covering attractions, activities, and transportation options.</a:t>
+            </a:r>
+          </a:p>
+          <a:p>
+            <a:pPr marL="285750" indent="-285750" algn="just">
               <a:lnSpc>
-                <a:spcPct val="250000"/>
+                <a:spcPct val="150000"/>
               </a:lnSpc>
+              <a:buFont typeface="Arial" pitchFamily="34" charset="0"/>
+              <a:buChar char="•"/>
             </a:pPr>
             <a:r>
-              <a:rPr lang="en-GB" b="1" dirty="0"/>
-              <a:t>Improved Accessibility</a:t>
-            </a:r>
-            <a:r>
-              <a:rPr lang="en-GB" dirty="0"/>
-              <a:t>: </a:t>
-            </a:r>
-            <a:r>
-              <a:rPr lang="en-GB" dirty="0" err="1"/>
-              <a:t>Travelers</a:t>
-            </a:r>
-            <a:r>
-              <a:rPr lang="en-GB" dirty="0"/>
-              <a:t> benefit from improved access to tourist information, facilitating effective trip planning. This accessibility enhances the overall travel experience and helps users make informed decisions.</a:t>
-            </a:r>
-          </a:p>
-          <a:p>
-            <a:pPr>
+              <a:rPr lang="en-GB" b="1" dirty="0">
+                <a:latin typeface="Times New Roman" pitchFamily="18" charset="0"/>
+                <a:cs typeface="Times New Roman" pitchFamily="18" charset="0"/>
+              </a:rPr>
+              <a:t>Improved </a:t>
+            </a:r>
+            <a:r>
+              <a:rPr lang="en-GB" b="1" dirty="0" smtClean="0">
+                <a:latin typeface="Times New Roman" pitchFamily="18" charset="0"/>
+                <a:cs typeface="Times New Roman" pitchFamily="18" charset="0"/>
+              </a:rPr>
+              <a:t>Accessibility </a:t>
+            </a:r>
+            <a:r>
+              <a:rPr lang="en-GB" dirty="0" smtClean="0">
+                <a:latin typeface="Times New Roman" pitchFamily="18" charset="0"/>
+                <a:cs typeface="Times New Roman" pitchFamily="18" charset="0"/>
+              </a:rPr>
+              <a:t>: Travelers </a:t>
+            </a:r>
+            <a:r>
+              <a:rPr lang="en-GB" dirty="0">
+                <a:latin typeface="Times New Roman" pitchFamily="18" charset="0"/>
+                <a:cs typeface="Times New Roman" pitchFamily="18" charset="0"/>
+              </a:rPr>
+              <a:t>benefit from improved access to tourist information, facilitating effective trip planning. This accessibility enhances the overall travel experience and helps users make informed decisions.</a:t>
+            </a:r>
+          </a:p>
+          <a:p>
+            <a:pPr marL="285750" indent="-285750" algn="just">
               <a:lnSpc>
-                <a:spcPct val="250000"/>
+                <a:spcPct val="200000"/>
               </a:lnSpc>
+              <a:buFont typeface="Arial" pitchFamily="34" charset="0"/>
+              <a:buChar char="•"/>
             </a:pPr>
-            <a:endParaRPr lang="en-GB" dirty="0"/>
+            <a:endParaRPr lang="en-GB" dirty="0">
+              <a:latin typeface="Times New Roman" pitchFamily="18" charset="0"/>
+              <a:cs typeface="Times New Roman" pitchFamily="18" charset="0"/>
+            </a:endParaRPr>
           </a:p>
         </p:txBody>
       </p:sp>
@@ -6716,13 +7075,13 @@
             <a:spLocks noGrp="1"/>
           </p:cNvSpPr>
           <p:nvPr>
-            <p:ph type="title"/>
+            <p:ph type="title" idx="4294967295"/>
           </p:nvPr>
         </p:nvSpPr>
         <p:spPr>
           <a:xfrm>
-            <a:off x="683568" y="260648"/>
-            <a:ext cx="7520940" cy="548640"/>
+            <a:off x="0" y="260350"/>
+            <a:ext cx="7519988" cy="549275"/>
           </a:xfrm>
         </p:spPr>
         <p:txBody>
@@ -6737,12 +7096,8 @@
               <a:rPr lang="en-GB" dirty="0" smtClean="0"/>
             </a:br>
             <a:r>
-              <a:rPr lang="en-GB" dirty="0" smtClean="0"/>
-              <a:t>Results </a:t>
-            </a:r>
-            <a:r>
               <a:rPr lang="en-GB" dirty="0"/>
-              <a:t>and Outcomes</a:t>
+              <a:t/>
             </a:r>
             <a:br>
               <a:rPr lang="en-GB" dirty="0"/>
@@ -6758,23 +7113,20 @@
             <a:spLocks noGrp="1"/>
           </p:cNvSpPr>
           <p:nvPr>
-            <p:ph idx="1"/>
+            <p:ph idx="4294967295"/>
           </p:nvPr>
         </p:nvSpPr>
         <p:spPr>
           <a:xfrm>
-            <a:off x="755576" y="1124744"/>
-            <a:ext cx="7520940" cy="3579849"/>
+            <a:off x="251520" y="332657"/>
+            <a:ext cx="8533705" cy="4392488"/>
           </a:xfrm>
         </p:spPr>
         <p:txBody>
           <a:bodyPr/>
           <a:lstStyle/>
           <a:p>
-            <a:endParaRPr lang="en-GB" dirty="0"/>
-          </a:p>
-          <a:p>
-            <a:pPr>
+            <a:pPr marL="285750" indent="-285750" algn="just">
               <a:lnSpc>
                 <a:spcPct val="150000"/>
               </a:lnSpc>
@@ -6795,11 +7147,19 @@
             </a:r>
             <a:r>
               <a:rPr lang="en-GB" b="0" dirty="0"/>
-              <a:t>The system offers a user-friendly interface, ensuring a seamless experience for accessing destination information. This aspect contributes to user satisfaction and encourages continued engagement with the platform.</a:t>
-            </a:r>
-          </a:p>
-          <a:p>
-            <a:pPr>
+              <a:t>The system offers a user-friendly interface, ensuring a </a:t>
+            </a:r>
+            <a:r>
+              <a:rPr lang="en-GB" b="0" dirty="0" smtClean="0"/>
+              <a:t>      seamless </a:t>
+            </a:r>
+            <a:r>
+              <a:rPr lang="en-GB" b="0" dirty="0"/>
+              <a:t>experience for accessing destination information. This aspect contributes to user satisfaction and encourages continued engagement with the platform.</a:t>
+            </a:r>
+          </a:p>
+          <a:p>
+            <a:pPr algn="just">
               <a:lnSpc>
                 <a:spcPct val="150000"/>
               </a:lnSpc>
@@ -6807,10 +7167,6 @@
               <a:buChar char="•"/>
             </a:pPr>
             <a:r>
-              <a:rPr lang="en-GB" b="0" dirty="0" smtClean="0"/>
-              <a:t> </a:t>
-            </a:r>
-            <a:r>
               <a:rPr lang="en-GB" dirty="0" smtClean="0">
                 <a:latin typeface="Arial Black" pitchFamily="34" charset="0"/>
               </a:rPr>
@@ -6827,17 +7183,13 @@
               <a:t>By showcasing diverse attractions and activities, the system contributes to raising awareness and promoting tourism in India. It serves as a valuable tool for highlighting the country's rich cultural heritage and scenic beauty to both domestic and international </a:t>
             </a:r>
             <a:r>
-              <a:rPr lang="en-GB" b="0" dirty="0" err="1"/>
-              <a:t>travelers</a:t>
-            </a:r>
-            <a:r>
               <a:rPr lang="en-GB" b="0" dirty="0" smtClean="0"/>
-              <a:t>.</a:t>
+              <a:t>travellers.</a:t>
             </a:r>
             <a:endParaRPr lang="en-GB" b="0" dirty="0"/>
           </a:p>
           <a:p>
-            <a:pPr>
+            <a:pPr algn="just">
               <a:lnSpc>
                 <a:spcPct val="150000"/>
               </a:lnSpc>
@@ -6893,43 +7245,90 @@
           <a:bodyPr/>
           <a:lstStyle/>
           <a:p>
-            <a:endParaRPr lang="en-GB"/>
+            <a:r>
+              <a:rPr lang="en-GB" sz="2000" b="1" dirty="0" smtClean="0">
+                <a:latin typeface="Times New Roman" pitchFamily="18" charset="0"/>
+                <a:cs typeface="Times New Roman" pitchFamily="18" charset="0"/>
+              </a:rPr>
+              <a:t>OUTPUT:</a:t>
+            </a:r>
+            <a:endParaRPr lang="en-GB" sz="2000" b="1" dirty="0">
+              <a:latin typeface="Times New Roman" pitchFamily="18" charset="0"/>
+              <a:cs typeface="Times New Roman" pitchFamily="18" charset="0"/>
+            </a:endParaRPr>
           </a:p>
         </p:txBody>
       </p:sp>
       <p:pic>
         <p:nvPicPr>
-          <p:cNvPr id="4" name="Content Placeholder 3"/>
+          <p:cNvPr id="1027" name="Picture 3"/>
           <p:cNvPicPr>
-            <a:picLocks noGrp="1" noChangeAspect="1"/>
+            <a:picLocks noGrp="1" noChangeAspect="1" noChangeArrowheads="1"/>
           </p:cNvPicPr>
           <p:nvPr>
             <p:ph idx="1"/>
           </p:nvPr>
         </p:nvPicPr>
         <p:blipFill>
-          <a:blip r:embed="rId2" cstate="print">
+          <a:blip r:embed="rId2">
             <a:extLst>
               <a:ext uri="{28A0092B-C50C-407E-A947-70E740481C1C}">
                 <a14:useLocalDpi xmlns:a14="http://schemas.microsoft.com/office/drawing/2010/main" val="0"/>
               </a:ext>
             </a:extLst>
           </a:blip>
+          <a:srcRect/>
           <a:stretch>
             <a:fillRect/>
           </a:stretch>
         </p:blipFill>
-        <p:spPr>
+        <p:spPr bwMode="auto">
           <a:xfrm>
-            <a:off x="-29209" y="-171400"/>
-            <a:ext cx="9396536" cy="5517579"/>
+            <a:off x="755576" y="980728"/>
+            <a:ext cx="7804348" cy="3168352"/>
           </a:xfrm>
+          <a:prstGeom prst="rect">
+            <a:avLst/>
+          </a:prstGeom>
+          <a:noFill/>
+          <a:ln>
+            <a:noFill/>
+          </a:ln>
+          <a:effectLst/>
+          <a:extLst>
+            <a:ext uri="{909E8E84-426E-40DD-AFC4-6F175D3DCCD1}">
+              <a14:hiddenFill xmlns:a14="http://schemas.microsoft.com/office/drawing/2010/main">
+                <a:solidFill>
+                  <a:schemeClr val="accent1"/>
+                </a:solidFill>
+              </a14:hiddenFill>
+            </a:ext>
+            <a:ext uri="{91240B29-F687-4F45-9708-019B960494DF}">
+              <a14:hiddenLine xmlns:a14="http://schemas.microsoft.com/office/drawing/2010/main" w="9525">
+                <a:solidFill>
+                  <a:schemeClr val="tx1"/>
+                </a:solidFill>
+                <a:miter lim="800000"/>
+                <a:headEnd/>
+                <a:tailEnd/>
+              </a14:hiddenLine>
+            </a:ext>
+            <a:ext uri="{AF507438-7753-43E0-B8FC-AC1667EBCBE1}">
+              <a14:hiddenEffects xmlns:a14="http://schemas.microsoft.com/office/drawing/2010/main">
+                <a:effectLst>
+                  <a:outerShdw dist="35921" dir="2700000" algn="ctr" rotWithShape="0">
+                    <a:schemeClr val="bg2"/>
+                  </a:outerShdw>
+                </a:effectLst>
+              </a14:hiddenEffects>
+            </a:ext>
+          </a:extLst>
         </p:spPr>
       </p:pic>
     </p:spTree>
     <p:extLst>
       <p:ext uri="{BB962C8B-B14F-4D97-AF65-F5344CB8AC3E}">
-        <p14:creationId xmlns:p14="http://schemas.microsoft.com/office/powerpoint/2010/main" val="1653850822"/>
+        <p14:creationId xmlns:p14="http://schemas.microsoft.com/office/powerpoint/2010/main" val="3418956498"/>
       </p:ext>
     </p:extLst>
   </p:cSld>
